--- a/エレメント/横メニューボタン.pptx
+++ b/エレメント/横メニューボタン.pptx
@@ -13,7 +13,7 @@
     <p:sldId id="261" r:id="rId7"/>
     <p:sldId id="262" r:id="rId8"/>
   </p:sldIdLst>
-  <p:sldSz cx="1439863" cy="914400"/>
+  <p:sldSz cx="1008063" cy="914400"/>
   <p:notesSz cx="6858000" cy="9144000"/>
   <p:defaultTextStyle>
     <a:defPPr>
@@ -142,8 +142,8 @@
         </p:nvSpPr>
         <p:spPr>
           <a:xfrm>
-            <a:off x="107991" y="284058"/>
-            <a:ext cx="1223884" cy="196003"/>
+            <a:off x="75606" y="284059"/>
+            <a:ext cx="856854" cy="196003"/>
           </a:xfrm>
         </p:spPr>
         <p:txBody>
@@ -170,8 +170,8 @@
         </p:nvSpPr>
         <p:spPr>
           <a:xfrm>
-            <a:off x="215980" y="518160"/>
-            <a:ext cx="1007904" cy="233680"/>
+            <a:off x="151210" y="518160"/>
+            <a:ext cx="705644" cy="233680"/>
           </a:xfrm>
         </p:spPr>
         <p:txBody>
@@ -294,7 +294,7 @@
           <a:p>
             <a:fld id="{E90ED720-0104-4369-84BC-D37694168613}" type="datetimeFigureOut">
               <a:rPr kumimoji="1" lang="ja-JP" altLang="en-US" smtClean="0"/>
-              <a:t>2019/5/31</a:t>
+              <a:t>2019/6/3</a:t>
             </a:fld>
             <a:endParaRPr kumimoji="1" lang="ja-JP" altLang="en-US"/>
           </a:p>
@@ -491,7 +491,7 @@
           <a:p>
             <a:fld id="{E90ED720-0104-4369-84BC-D37694168613}" type="datetimeFigureOut">
               <a:rPr kumimoji="1" lang="ja-JP" altLang="en-US" smtClean="0"/>
-              <a:t>2019/5/31</a:t>
+              <a:t>2019/6/3</a:t>
             </a:fld>
             <a:endParaRPr kumimoji="1" lang="ja-JP" altLang="en-US"/>
           </a:p>
@@ -576,8 +576,8 @@
         </p:nvSpPr>
         <p:spPr>
           <a:xfrm>
-            <a:off x="1043900" y="36620"/>
-            <a:ext cx="323970" cy="780203"/>
+            <a:off x="730845" y="36621"/>
+            <a:ext cx="226815" cy="780203"/>
           </a:xfrm>
         </p:spPr>
         <p:txBody>
@@ -604,8 +604,8 @@
         </p:nvSpPr>
         <p:spPr>
           <a:xfrm>
-            <a:off x="71994" y="36620"/>
-            <a:ext cx="947910" cy="780203"/>
+            <a:off x="50404" y="36621"/>
+            <a:ext cx="663642" cy="780203"/>
           </a:xfrm>
         </p:spPr>
         <p:txBody>
@@ -698,7 +698,7 @@
           <a:p>
             <a:fld id="{E90ED720-0104-4369-84BC-D37694168613}" type="datetimeFigureOut">
               <a:rPr kumimoji="1" lang="ja-JP" altLang="en-US" smtClean="0"/>
-              <a:t>2019/5/31</a:t>
+              <a:t>2019/6/3</a:t>
             </a:fld>
             <a:endParaRPr kumimoji="1" lang="ja-JP" altLang="en-US"/>
           </a:p>
@@ -895,7 +895,7 @@
           <a:p>
             <a:fld id="{E90ED720-0104-4369-84BC-D37694168613}" type="datetimeFigureOut">
               <a:rPr kumimoji="1" lang="ja-JP" altLang="en-US" smtClean="0"/>
-              <a:t>2019/5/31</a:t>
+              <a:t>2019/6/3</a:t>
             </a:fld>
             <a:endParaRPr kumimoji="1" lang="ja-JP" altLang="en-US"/>
           </a:p>
@@ -980,8 +980,8 @@
         </p:nvSpPr>
         <p:spPr>
           <a:xfrm>
-            <a:off x="113740" y="587587"/>
-            <a:ext cx="1223884" cy="181610"/>
+            <a:off x="79630" y="587587"/>
+            <a:ext cx="856854" cy="181610"/>
           </a:xfrm>
         </p:spPr>
         <p:txBody>
@@ -1012,8 +1012,8 @@
         </p:nvSpPr>
         <p:spPr>
           <a:xfrm>
-            <a:off x="113740" y="387563"/>
-            <a:ext cx="1223884" cy="200025"/>
+            <a:off x="79630" y="387564"/>
+            <a:ext cx="856854" cy="200025"/>
           </a:xfrm>
         </p:spPr>
         <p:txBody>
@@ -1136,7 +1136,7 @@
           <a:p>
             <a:fld id="{E90ED720-0104-4369-84BC-D37694168613}" type="datetimeFigureOut">
               <a:rPr kumimoji="1" lang="ja-JP" altLang="en-US" smtClean="0"/>
-              <a:t>2019/5/31</a:t>
+              <a:t>2019/6/3</a:t>
             </a:fld>
             <a:endParaRPr kumimoji="1" lang="ja-JP" altLang="en-US"/>
           </a:p>
@@ -1244,8 +1244,8 @@
         </p:nvSpPr>
         <p:spPr>
           <a:xfrm>
-            <a:off x="71994" y="213360"/>
-            <a:ext cx="635939" cy="603462"/>
+            <a:off x="50404" y="213360"/>
+            <a:ext cx="445227" cy="603462"/>
           </a:xfrm>
         </p:spPr>
         <p:txBody>
@@ -1361,8 +1361,8 @@
         </p:nvSpPr>
         <p:spPr>
           <a:xfrm>
-            <a:off x="731931" y="213360"/>
-            <a:ext cx="635939" cy="603462"/>
+            <a:off x="512433" y="213360"/>
+            <a:ext cx="445227" cy="603462"/>
           </a:xfrm>
         </p:spPr>
         <p:txBody>
@@ -1483,7 +1483,7 @@
           <a:p>
             <a:fld id="{E90ED720-0104-4369-84BC-D37694168613}" type="datetimeFigureOut">
               <a:rPr kumimoji="1" lang="ja-JP" altLang="en-US" smtClean="0"/>
-              <a:t>2019/5/31</a:t>
+              <a:t>2019/6/3</a:t>
             </a:fld>
             <a:endParaRPr kumimoji="1" lang="ja-JP" altLang="en-US"/>
           </a:p>
@@ -1595,8 +1595,8 @@
         </p:nvSpPr>
         <p:spPr>
           <a:xfrm>
-            <a:off x="71994" y="204682"/>
-            <a:ext cx="636190" cy="85302"/>
+            <a:off x="50404" y="204682"/>
+            <a:ext cx="445403" cy="85302"/>
           </a:xfrm>
         </p:spPr>
         <p:txBody>
@@ -1660,8 +1660,8 @@
         </p:nvSpPr>
         <p:spPr>
           <a:xfrm>
-            <a:off x="71994" y="289984"/>
-            <a:ext cx="636190" cy="526838"/>
+            <a:off x="50404" y="289984"/>
+            <a:ext cx="445403" cy="526838"/>
           </a:xfrm>
         </p:spPr>
         <p:txBody>
@@ -1777,8 +1777,8 @@
         </p:nvSpPr>
         <p:spPr>
           <a:xfrm>
-            <a:off x="731431" y="204682"/>
-            <a:ext cx="636439" cy="85302"/>
+            <a:off x="512083" y="204682"/>
+            <a:ext cx="445578" cy="85302"/>
           </a:xfrm>
         </p:spPr>
         <p:txBody>
@@ -1842,8 +1842,8 @@
         </p:nvSpPr>
         <p:spPr>
           <a:xfrm>
-            <a:off x="731431" y="289984"/>
-            <a:ext cx="636439" cy="526838"/>
+            <a:off x="512083" y="289984"/>
+            <a:ext cx="445578" cy="526838"/>
           </a:xfrm>
         </p:spPr>
         <p:txBody>
@@ -1964,7 +1964,7 @@
           <a:p>
             <a:fld id="{E90ED720-0104-4369-84BC-D37694168613}" type="datetimeFigureOut">
               <a:rPr kumimoji="1" lang="ja-JP" altLang="en-US" smtClean="0"/>
-              <a:t>2019/5/31</a:t>
+              <a:t>2019/6/3</a:t>
             </a:fld>
             <a:endParaRPr kumimoji="1" lang="ja-JP" altLang="en-US"/>
           </a:p>
@@ -2077,7 +2077,7 @@
           <a:p>
             <a:fld id="{E90ED720-0104-4369-84BC-D37694168613}" type="datetimeFigureOut">
               <a:rPr kumimoji="1" lang="ja-JP" altLang="en-US" smtClean="0"/>
-              <a:t>2019/5/31</a:t>
+              <a:t>2019/6/3</a:t>
             </a:fld>
             <a:endParaRPr kumimoji="1" lang="ja-JP" altLang="en-US"/>
           </a:p>
@@ -2167,7 +2167,7 @@
           <a:p>
             <a:fld id="{E90ED720-0104-4369-84BC-D37694168613}" type="datetimeFigureOut">
               <a:rPr kumimoji="1" lang="ja-JP" altLang="en-US" smtClean="0"/>
-              <a:t>2019/5/31</a:t>
+              <a:t>2019/6/3</a:t>
             </a:fld>
             <a:endParaRPr kumimoji="1" lang="ja-JP" altLang="en-US"/>
           </a:p>
@@ -2252,8 +2252,8 @@
         </p:nvSpPr>
         <p:spPr>
           <a:xfrm>
-            <a:off x="71993" y="36407"/>
-            <a:ext cx="473705" cy="154940"/>
+            <a:off x="50403" y="36407"/>
+            <a:ext cx="331646" cy="154940"/>
           </a:xfrm>
         </p:spPr>
         <p:txBody>
@@ -2284,8 +2284,8 @@
         </p:nvSpPr>
         <p:spPr>
           <a:xfrm>
-            <a:off x="562947" y="36408"/>
-            <a:ext cx="804923" cy="780415"/>
+            <a:off x="394125" y="36409"/>
+            <a:ext cx="563535" cy="780415"/>
           </a:xfrm>
         </p:spPr>
         <p:txBody>
@@ -2401,8 +2401,8 @@
         </p:nvSpPr>
         <p:spPr>
           <a:xfrm>
-            <a:off x="71993" y="191348"/>
-            <a:ext cx="473705" cy="625475"/>
+            <a:off x="50403" y="191348"/>
+            <a:ext cx="331646" cy="625475"/>
           </a:xfrm>
         </p:spPr>
         <p:txBody>
@@ -2471,7 +2471,7 @@
           <a:p>
             <a:fld id="{E90ED720-0104-4369-84BC-D37694168613}" type="datetimeFigureOut">
               <a:rPr kumimoji="1" lang="ja-JP" altLang="en-US" smtClean="0"/>
-              <a:t>2019/5/31</a:t>
+              <a:t>2019/6/3</a:t>
             </a:fld>
             <a:endParaRPr kumimoji="1" lang="ja-JP" altLang="en-US"/>
           </a:p>
@@ -2556,8 +2556,8 @@
         </p:nvSpPr>
         <p:spPr>
           <a:xfrm>
-            <a:off x="282224" y="640081"/>
-            <a:ext cx="863918" cy="75565"/>
+            <a:off x="197588" y="640082"/>
+            <a:ext cx="604838" cy="75565"/>
           </a:xfrm>
         </p:spPr>
         <p:txBody>
@@ -2588,8 +2588,8 @@
         </p:nvSpPr>
         <p:spPr>
           <a:xfrm>
-            <a:off x="282224" y="81703"/>
-            <a:ext cx="863918" cy="548640"/>
+            <a:off x="197588" y="81703"/>
+            <a:ext cx="604838" cy="548640"/>
           </a:xfrm>
         </p:spPr>
         <p:txBody>
@@ -2649,8 +2649,8 @@
         </p:nvSpPr>
         <p:spPr>
           <a:xfrm>
-            <a:off x="282224" y="715646"/>
-            <a:ext cx="863918" cy="107315"/>
+            <a:off x="197588" y="715647"/>
+            <a:ext cx="604838" cy="107315"/>
           </a:xfrm>
         </p:spPr>
         <p:txBody>
@@ -2719,7 +2719,7 @@
           <a:p>
             <a:fld id="{E90ED720-0104-4369-84BC-D37694168613}" type="datetimeFigureOut">
               <a:rPr kumimoji="1" lang="ja-JP" altLang="en-US" smtClean="0"/>
-              <a:t>2019/5/31</a:t>
+              <a:t>2019/6/3</a:t>
             </a:fld>
             <a:endParaRPr kumimoji="1" lang="ja-JP" altLang="en-US"/>
           </a:p>
@@ -2809,8 +2809,8 @@
         </p:nvSpPr>
         <p:spPr>
           <a:xfrm>
-            <a:off x="71993" y="36618"/>
-            <a:ext cx="1295877" cy="152400"/>
+            <a:off x="50403" y="36618"/>
+            <a:ext cx="907257" cy="152400"/>
           </a:xfrm>
           <a:prstGeom prst="rect">
             <a:avLst/>
@@ -2842,8 +2842,8 @@
         </p:nvSpPr>
         <p:spPr>
           <a:xfrm>
-            <a:off x="71993" y="213360"/>
-            <a:ext cx="1295877" cy="603462"/>
+            <a:off x="50403" y="213360"/>
+            <a:ext cx="907257" cy="603462"/>
           </a:xfrm>
           <a:prstGeom prst="rect">
             <a:avLst/>
@@ -2936,8 +2936,8 @@
         </p:nvSpPr>
         <p:spPr>
           <a:xfrm>
-            <a:off x="71994" y="847515"/>
-            <a:ext cx="335968" cy="48683"/>
+            <a:off x="50404" y="847516"/>
+            <a:ext cx="235215" cy="48683"/>
           </a:xfrm>
           <a:prstGeom prst="rect">
             <a:avLst/>
@@ -2959,7 +2959,7 @@
           <a:p>
             <a:fld id="{E90ED720-0104-4369-84BC-D37694168613}" type="datetimeFigureOut">
               <a:rPr kumimoji="1" lang="ja-JP" altLang="en-US" smtClean="0"/>
-              <a:t>2019/5/31</a:t>
+              <a:t>2019/6/3</a:t>
             </a:fld>
             <a:endParaRPr kumimoji="1" lang="ja-JP" altLang="en-US"/>
           </a:p>
@@ -2977,8 +2977,8 @@
         </p:nvSpPr>
         <p:spPr>
           <a:xfrm>
-            <a:off x="491953" y="847515"/>
-            <a:ext cx="455957" cy="48683"/>
+            <a:off x="344422" y="847516"/>
+            <a:ext cx="319220" cy="48683"/>
           </a:xfrm>
           <a:prstGeom prst="rect">
             <a:avLst/>
@@ -3014,8 +3014,8 @@
         </p:nvSpPr>
         <p:spPr>
           <a:xfrm>
-            <a:off x="1031903" y="847515"/>
-            <a:ext cx="335968" cy="48683"/>
+            <a:off x="722446" y="847516"/>
+            <a:ext cx="235215" cy="48683"/>
           </a:xfrm>
           <a:prstGeom prst="rect">
             <a:avLst/>
@@ -3337,8 +3337,8 @@
         </p:nvSpPr>
         <p:spPr>
           <a:xfrm>
-            <a:off x="-149" y="0"/>
-            <a:ext cx="1440012" cy="914400"/>
+            <a:off x="-25" y="0"/>
+            <a:ext cx="1008167" cy="914400"/>
           </a:xfrm>
           <a:prstGeom prst="rect">
             <a:avLst/>
@@ -3377,8 +3377,8 @@
         </p:nvSpPr>
         <p:spPr>
           <a:xfrm>
-            <a:off x="-149" y="195590"/>
-            <a:ext cx="1440160" cy="523220"/>
+            <a:off x="-72033" y="195590"/>
+            <a:ext cx="1152127" cy="523220"/>
           </a:xfrm>
           <a:prstGeom prst="rect">
             <a:avLst/>
@@ -3472,8 +3472,8 @@
         </p:nvSpPr>
         <p:spPr>
           <a:xfrm>
-            <a:off x="-149" y="0"/>
-            <a:ext cx="1440012" cy="914400"/>
+            <a:off x="-104" y="0"/>
+            <a:ext cx="1008167" cy="914400"/>
           </a:xfrm>
           <a:prstGeom prst="rect">
             <a:avLst/>
@@ -3512,8 +3512,8 @@
         </p:nvSpPr>
         <p:spPr>
           <a:xfrm>
-            <a:off x="-149" y="195590"/>
-            <a:ext cx="1440160" cy="523220"/>
+            <a:off x="-71239" y="226367"/>
+            <a:ext cx="1152128" cy="461665"/>
           </a:xfrm>
           <a:prstGeom prst="rect">
             <a:avLst/>
@@ -3528,13 +3528,13 @@
           <a:p>
             <a:pPr algn="dist"/>
             <a:r>
-              <a:rPr kumimoji="1" lang="ja-JP" altLang="en-US" sz="1400" b="1" dirty="0" smtClean="0">
+              <a:rPr kumimoji="1" lang="ja-JP" altLang="en-US" sz="1200" b="1" dirty="0" smtClean="0">
                 <a:latin typeface="メイリオ" panose="020B0604030504040204" pitchFamily="50" charset="-128"/>
                 <a:ea typeface="メイリオ" panose="020B0604030504040204" pitchFamily="50" charset="-128"/>
               </a:rPr>
               <a:t>パソコンなら</a:t>
             </a:r>
-            <a:endParaRPr kumimoji="1" lang="en-US" altLang="ja-JP" sz="1400" b="1" dirty="0" smtClean="0">
+            <a:endParaRPr kumimoji="1" lang="en-US" altLang="ja-JP" sz="1200" b="1" dirty="0" smtClean="0">
               <a:latin typeface="メイリオ" panose="020B0604030504040204" pitchFamily="50" charset="-128"/>
               <a:ea typeface="メイリオ" panose="020B0604030504040204" pitchFamily="50" charset="-128"/>
             </a:endParaRPr>
@@ -3542,13 +3542,13 @@
           <a:p>
             <a:pPr algn="dist"/>
             <a:r>
-              <a:rPr kumimoji="1" lang="ja-JP" altLang="en-US" sz="1400" b="1" dirty="0" smtClean="0">
+              <a:rPr kumimoji="1" lang="ja-JP" altLang="en-US" sz="1200" b="1" dirty="0" smtClean="0">
                 <a:latin typeface="メイリオ" panose="020B0604030504040204" pitchFamily="50" charset="-128"/>
                 <a:ea typeface="メイリオ" panose="020B0604030504040204" pitchFamily="50" charset="-128"/>
               </a:rPr>
               <a:t>青年お助け隊</a:t>
             </a:r>
-            <a:endParaRPr kumimoji="1" lang="ja-JP" altLang="en-US" sz="1400" b="1" dirty="0">
+            <a:endParaRPr kumimoji="1" lang="ja-JP" altLang="en-US" sz="1200" b="1" dirty="0">
               <a:latin typeface="メイリオ" panose="020B0604030504040204" pitchFamily="50" charset="-128"/>
               <a:ea typeface="メイリオ" panose="020B0604030504040204" pitchFamily="50" charset="-128"/>
             </a:endParaRPr>
@@ -3600,8 +3600,8 @@
         </p:nvSpPr>
         <p:spPr>
           <a:xfrm>
-            <a:off x="-149" y="0"/>
-            <a:ext cx="1440012" cy="914400"/>
+            <a:off x="-104" y="0"/>
+            <a:ext cx="1008167" cy="914400"/>
           </a:xfrm>
           <a:prstGeom prst="rect">
             <a:avLst/>
@@ -3640,8 +3640,8 @@
         </p:nvSpPr>
         <p:spPr>
           <a:xfrm>
-            <a:off x="-149" y="195590"/>
-            <a:ext cx="1440160" cy="523220"/>
+            <a:off x="-208" y="87868"/>
+            <a:ext cx="1008271" cy="738664"/>
           </a:xfrm>
           <a:prstGeom prst="rect">
             <a:avLst/>
@@ -3728,8 +3728,8 @@
         </p:nvSpPr>
         <p:spPr>
           <a:xfrm>
-            <a:off x="-149" y="0"/>
-            <a:ext cx="1440012" cy="914400"/>
+            <a:off x="-104" y="0"/>
+            <a:ext cx="1008167" cy="914400"/>
           </a:xfrm>
           <a:prstGeom prst="rect">
             <a:avLst/>
@@ -3768,8 +3768,8 @@
         </p:nvSpPr>
         <p:spPr>
           <a:xfrm>
-            <a:off x="-149" y="195590"/>
-            <a:ext cx="1440160" cy="523220"/>
+            <a:off x="-104" y="195590"/>
+            <a:ext cx="1008271" cy="523220"/>
           </a:xfrm>
           <a:prstGeom prst="rect">
             <a:avLst/>
@@ -3852,8 +3852,8 @@
         </p:nvSpPr>
         <p:spPr>
           <a:xfrm>
-            <a:off x="-149" y="0"/>
-            <a:ext cx="1440012" cy="914400"/>
+            <a:off x="-104" y="0"/>
+            <a:ext cx="1008167" cy="914400"/>
           </a:xfrm>
           <a:prstGeom prst="rect">
             <a:avLst/>
@@ -3892,8 +3892,8 @@
         </p:nvSpPr>
         <p:spPr>
           <a:xfrm>
-            <a:off x="645" y="303311"/>
-            <a:ext cx="1440160" cy="307777"/>
+            <a:off x="452" y="303312"/>
+            <a:ext cx="1008271" cy="307777"/>
           </a:xfrm>
           <a:prstGeom prst="rect">
             <a:avLst/>
@@ -3966,8 +3966,8 @@
         </p:nvSpPr>
         <p:spPr>
           <a:xfrm>
-            <a:off x="-149" y="0"/>
-            <a:ext cx="1440012" cy="914400"/>
+            <a:off x="-104" y="0"/>
+            <a:ext cx="1008167" cy="914400"/>
           </a:xfrm>
           <a:prstGeom prst="rect">
             <a:avLst/>
@@ -4006,8 +4006,8 @@
         </p:nvSpPr>
         <p:spPr>
           <a:xfrm>
-            <a:off x="-149" y="195590"/>
-            <a:ext cx="1440160" cy="523220"/>
+            <a:off x="12824" y="87868"/>
+            <a:ext cx="1008271" cy="738664"/>
           </a:xfrm>
           <a:prstGeom prst="rect">
             <a:avLst/>
@@ -4040,7 +4040,28 @@
                 <a:latin typeface="メイリオ" panose="020B0604030504040204" pitchFamily="50" charset="-128"/>
                 <a:ea typeface="メイリオ" panose="020B0604030504040204" pitchFamily="50" charset="-128"/>
               </a:rPr>
-              <a:t>入会のご案内</a:t>
+              <a:t>入会</a:t>
+            </a:r>
+            <a:r>
+              <a:rPr kumimoji="1" lang="ja-JP" altLang="en-US" sz="1400" b="1" dirty="0" smtClean="0">
+                <a:latin typeface="メイリオ" panose="020B0604030504040204" pitchFamily="50" charset="-128"/>
+                <a:ea typeface="メイリオ" panose="020B0604030504040204" pitchFamily="50" charset="-128"/>
+              </a:rPr>
+              <a:t>の</a:t>
+            </a:r>
+            <a:endParaRPr kumimoji="1" lang="en-US" altLang="ja-JP" sz="1400" b="1" dirty="0" smtClean="0">
+              <a:latin typeface="メイリオ" panose="020B0604030504040204" pitchFamily="50" charset="-128"/>
+              <a:ea typeface="メイリオ" panose="020B0604030504040204" pitchFamily="50" charset="-128"/>
+            </a:endParaRPr>
+          </a:p>
+          <a:p>
+            <a:pPr algn="dist"/>
+            <a:r>
+              <a:rPr kumimoji="1" lang="ja-JP" altLang="en-US" sz="1400" b="1" dirty="0" smtClean="0">
+                <a:latin typeface="メイリオ" panose="020B0604030504040204" pitchFamily="50" charset="-128"/>
+                <a:ea typeface="メイリオ" panose="020B0604030504040204" pitchFamily="50" charset="-128"/>
+              </a:rPr>
+              <a:t>ご案内</a:t>
             </a:r>
             <a:endParaRPr kumimoji="1" lang="ja-JP" altLang="en-US" sz="1400" b="1" dirty="0">
               <a:latin typeface="メイリオ" panose="020B0604030504040204" pitchFamily="50" charset="-128"/>
@@ -4094,8 +4115,8 @@
         </p:nvSpPr>
         <p:spPr>
           <a:xfrm>
-            <a:off x="-149" y="0"/>
-            <a:ext cx="1440012" cy="914400"/>
+            <a:off x="-104" y="0"/>
+            <a:ext cx="1008167" cy="914400"/>
           </a:xfrm>
           <a:prstGeom prst="rect">
             <a:avLst/>
@@ -4134,8 +4155,8 @@
         </p:nvSpPr>
         <p:spPr>
           <a:xfrm>
-            <a:off x="-149" y="303311"/>
-            <a:ext cx="1440160" cy="307777"/>
+            <a:off x="-104" y="303312"/>
+            <a:ext cx="1008271" cy="307777"/>
           </a:xfrm>
           <a:prstGeom prst="rect">
             <a:avLst/>
@@ -4461,7 +4482,33 @@
       </a:bgFillStyleLst>
     </a:fmtScheme>
   </a:themeElements>
-  <a:objectDefaults/>
+  <a:objectDefaults>
+    <a:spDef>
+      <a:spPr/>
+      <a:bodyPr rtlCol="0" anchor="ctr"/>
+      <a:lstStyle>
+        <a:defPPr algn="ctr">
+          <a:defRPr kumimoji="1"/>
+        </a:defPPr>
+      </a:lstStyle>
+      <a:style>
+        <a:lnRef idx="2">
+          <a:schemeClr val="accent1">
+            <a:shade val="50000"/>
+          </a:schemeClr>
+        </a:lnRef>
+        <a:fillRef idx="1">
+          <a:schemeClr val="accent1"/>
+        </a:fillRef>
+        <a:effectRef idx="0">
+          <a:schemeClr val="accent1"/>
+        </a:effectRef>
+        <a:fontRef idx="minor">
+          <a:schemeClr val="lt1"/>
+        </a:fontRef>
+      </a:style>
+    </a:spDef>
+  </a:objectDefaults>
   <a:extraClrSchemeLst/>
 </a:theme>
 </file>
--- a/エレメント/横メニューボタン.pptx
+++ b/エレメント/横メニューボタン.pptx
@@ -3337,8 +3337,8 @@
         </p:nvSpPr>
         <p:spPr>
           <a:xfrm>
-            <a:off x="-25" y="0"/>
-            <a:ext cx="1008167" cy="914400"/>
+            <a:off x="741" y="97160"/>
+            <a:ext cx="1008167" cy="720000"/>
           </a:xfrm>
           <a:prstGeom prst="rect">
             <a:avLst/>
@@ -3472,8 +3472,8 @@
         </p:nvSpPr>
         <p:spPr>
           <a:xfrm>
-            <a:off x="-104" y="0"/>
-            <a:ext cx="1008167" cy="914400"/>
+            <a:off x="741" y="97199"/>
+            <a:ext cx="1008167" cy="720000"/>
           </a:xfrm>
           <a:prstGeom prst="rect">
             <a:avLst/>
@@ -3600,8 +3600,8 @@
         </p:nvSpPr>
         <p:spPr>
           <a:xfrm>
-            <a:off x="-104" y="0"/>
-            <a:ext cx="1008167" cy="914400"/>
+            <a:off x="-208" y="73578"/>
+            <a:ext cx="1008167" cy="720000"/>
           </a:xfrm>
           <a:prstGeom prst="rect">
             <a:avLst/>
@@ -3728,8 +3728,8 @@
         </p:nvSpPr>
         <p:spPr>
           <a:xfrm>
-            <a:off x="-104" y="0"/>
-            <a:ext cx="1008167" cy="914400"/>
+            <a:off x="-104" y="97200"/>
+            <a:ext cx="1008167" cy="720000"/>
           </a:xfrm>
           <a:prstGeom prst="rect">
             <a:avLst/>
@@ -3852,8 +3852,8 @@
         </p:nvSpPr>
         <p:spPr>
           <a:xfrm>
-            <a:off x="-104" y="0"/>
-            <a:ext cx="1008167" cy="914400"/>
+            <a:off x="-105" y="97160"/>
+            <a:ext cx="1008167" cy="720000"/>
           </a:xfrm>
           <a:prstGeom prst="rect">
             <a:avLst/>
@@ -3966,8 +3966,8 @@
         </p:nvSpPr>
         <p:spPr>
           <a:xfrm>
-            <a:off x="-104" y="0"/>
-            <a:ext cx="1008167" cy="914400"/>
+            <a:off x="-104" y="87868"/>
+            <a:ext cx="1008167" cy="720000"/>
           </a:xfrm>
           <a:prstGeom prst="rect">
             <a:avLst/>
@@ -4040,14 +4040,7 @@
                 <a:latin typeface="メイリオ" panose="020B0604030504040204" pitchFamily="50" charset="-128"/>
                 <a:ea typeface="メイリオ" panose="020B0604030504040204" pitchFamily="50" charset="-128"/>
               </a:rPr>
-              <a:t>入会</a:t>
-            </a:r>
-            <a:r>
-              <a:rPr kumimoji="1" lang="ja-JP" altLang="en-US" sz="1400" b="1" dirty="0" smtClean="0">
-                <a:latin typeface="メイリオ" panose="020B0604030504040204" pitchFamily="50" charset="-128"/>
-                <a:ea typeface="メイリオ" panose="020B0604030504040204" pitchFamily="50" charset="-128"/>
-              </a:rPr>
-              <a:t>の</a:t>
+              <a:t>入会の</a:t>
             </a:r>
             <a:endParaRPr kumimoji="1" lang="en-US" altLang="ja-JP" sz="1400" b="1" dirty="0" smtClean="0">
               <a:latin typeface="メイリオ" panose="020B0604030504040204" pitchFamily="50" charset="-128"/>
@@ -4115,8 +4108,8 @@
         </p:nvSpPr>
         <p:spPr>
           <a:xfrm>
-            <a:off x="-104" y="0"/>
-            <a:ext cx="1008167" cy="914400"/>
+            <a:off x="741" y="97160"/>
+            <a:ext cx="1008167" cy="720000"/>
           </a:xfrm>
           <a:prstGeom prst="rect">
             <a:avLst/>

--- a/エレメント/横メニューボタン.pptx
+++ b/エレメント/横メニューボタン.pptx
@@ -110,6 +110,22 @@
       </a:defRPr>
     </a:lvl9pPr>
   </p:defaultTextStyle>
+  <p:extLst>
+    <p:ext uri="{EFAFB233-063F-42B5-8137-9DF3F51BA10A}">
+      <p15:sldGuideLst xmlns:p15="http://schemas.microsoft.com/office/powerpoint/2012/main">
+        <p15:guide id="1" orient="horz" pos="288">
+          <p15:clr>
+            <a:srgbClr val="A4A3A4"/>
+          </p15:clr>
+        </p15:guide>
+        <p15:guide id="2" pos="318">
+          <p15:clr>
+            <a:srgbClr val="A4A3A4"/>
+          </p15:clr>
+        </p15:guide>
+      </p15:sldGuideLst>
+    </p:ext>
+  </p:extLst>
 </p:presentation>
 </file>
 
@@ -151,10 +167,9 @@
           <a:lstStyle/>
           <a:p>
             <a:r>
-              <a:rPr kumimoji="1" lang="ja-JP" altLang="en-US" smtClean="0"/>
+              <a:rPr kumimoji="1" lang="ja-JP" altLang="en-US"/>
               <a:t>マスタ タイトルの書式設定</a:t>
             </a:r>
-            <a:endParaRPr kumimoji="1" lang="ja-JP" altLang="en-US"/>
           </a:p>
         </p:txBody>
       </p:sp>
@@ -270,10 +285,9 @@
           </a:lstStyle>
           <a:p>
             <a:r>
-              <a:rPr kumimoji="1" lang="ja-JP" altLang="en-US" smtClean="0"/>
+              <a:rPr kumimoji="1" lang="ja-JP" altLang="en-US"/>
               <a:t>マスタ サブタイトルの書式設定</a:t>
             </a:r>
-            <a:endParaRPr kumimoji="1" lang="ja-JP" altLang="en-US"/>
           </a:p>
         </p:txBody>
       </p:sp>
@@ -383,10 +397,9 @@
           <a:lstStyle/>
           <a:p>
             <a:r>
-              <a:rPr kumimoji="1" lang="ja-JP" altLang="en-US" smtClean="0"/>
+              <a:rPr kumimoji="1" lang="ja-JP" altLang="en-US"/>
               <a:t>マスタ タイトルの書式設定</a:t>
             </a:r>
-            <a:endParaRPr kumimoji="1" lang="ja-JP" altLang="en-US"/>
           </a:p>
         </p:txBody>
       </p:sp>
@@ -407,70 +420,69 @@
           <a:p>
             <a:pPr lvl="0"/>
             <a:r>
-              <a:rPr kumimoji="1" lang="ja-JP" altLang="en-US" smtClean="0"/>
+              <a:rPr kumimoji="1" lang="ja-JP" altLang="en-US"/>
               <a:t>マスタ テキストの書式設定</a:t>
             </a:r>
           </a:p>
           <a:p>
             <a:pPr lvl="1"/>
             <a:r>
-              <a:rPr kumimoji="1" lang="ja-JP" altLang="en-US" smtClean="0"/>
+              <a:rPr kumimoji="1" lang="ja-JP" altLang="en-US"/>
               <a:t>第 </a:t>
             </a:r>
             <a:r>
-              <a:rPr kumimoji="1" lang="en-US" altLang="ja-JP" smtClean="0"/>
+              <a:rPr kumimoji="1" lang="en-US" altLang="ja-JP"/>
               <a:t>2 </a:t>
             </a:r>
             <a:r>
-              <a:rPr kumimoji="1" lang="ja-JP" altLang="en-US" smtClean="0"/>
+              <a:rPr kumimoji="1" lang="ja-JP" altLang="en-US"/>
               <a:t>レベル</a:t>
             </a:r>
           </a:p>
           <a:p>
             <a:pPr lvl="2"/>
             <a:r>
-              <a:rPr kumimoji="1" lang="ja-JP" altLang="en-US" smtClean="0"/>
+              <a:rPr kumimoji="1" lang="ja-JP" altLang="en-US"/>
               <a:t>第 </a:t>
             </a:r>
             <a:r>
-              <a:rPr kumimoji="1" lang="en-US" altLang="ja-JP" smtClean="0"/>
+              <a:rPr kumimoji="1" lang="en-US" altLang="ja-JP"/>
               <a:t>3 </a:t>
             </a:r>
             <a:r>
-              <a:rPr kumimoji="1" lang="ja-JP" altLang="en-US" smtClean="0"/>
+              <a:rPr kumimoji="1" lang="ja-JP" altLang="en-US"/>
               <a:t>レベル</a:t>
             </a:r>
           </a:p>
           <a:p>
             <a:pPr lvl="3"/>
             <a:r>
-              <a:rPr kumimoji="1" lang="ja-JP" altLang="en-US" smtClean="0"/>
+              <a:rPr kumimoji="1" lang="ja-JP" altLang="en-US"/>
               <a:t>第 </a:t>
             </a:r>
             <a:r>
-              <a:rPr kumimoji="1" lang="en-US" altLang="ja-JP" smtClean="0"/>
+              <a:rPr kumimoji="1" lang="en-US" altLang="ja-JP"/>
               <a:t>4 </a:t>
             </a:r>
             <a:r>
-              <a:rPr kumimoji="1" lang="ja-JP" altLang="en-US" smtClean="0"/>
+              <a:rPr kumimoji="1" lang="ja-JP" altLang="en-US"/>
               <a:t>レベル</a:t>
             </a:r>
           </a:p>
           <a:p>
             <a:pPr lvl="4"/>
             <a:r>
-              <a:rPr kumimoji="1" lang="ja-JP" altLang="en-US" smtClean="0"/>
+              <a:rPr kumimoji="1" lang="ja-JP" altLang="en-US"/>
               <a:t>第 </a:t>
             </a:r>
             <a:r>
-              <a:rPr kumimoji="1" lang="en-US" altLang="ja-JP" smtClean="0"/>
+              <a:rPr kumimoji="1" lang="en-US" altLang="ja-JP"/>
               <a:t>5 </a:t>
             </a:r>
             <a:r>
-              <a:rPr kumimoji="1" lang="ja-JP" altLang="en-US" smtClean="0"/>
+              <a:rPr kumimoji="1" lang="ja-JP" altLang="en-US"/>
               <a:t>レベル</a:t>
             </a:r>
-            <a:endParaRPr kumimoji="1" lang="ja-JP" altLang="en-US"/>
           </a:p>
         </p:txBody>
       </p:sp>
@@ -585,10 +597,9 @@
           <a:lstStyle/>
           <a:p>
             <a:r>
-              <a:rPr kumimoji="1" lang="ja-JP" altLang="en-US" smtClean="0"/>
+              <a:rPr kumimoji="1" lang="ja-JP" altLang="en-US"/>
               <a:t>マスタ タイトルの書式設定</a:t>
             </a:r>
-            <a:endParaRPr kumimoji="1" lang="ja-JP" altLang="en-US"/>
           </a:p>
         </p:txBody>
       </p:sp>
@@ -614,70 +625,69 @@
           <a:p>
             <a:pPr lvl="0"/>
             <a:r>
-              <a:rPr kumimoji="1" lang="ja-JP" altLang="en-US" smtClean="0"/>
+              <a:rPr kumimoji="1" lang="ja-JP" altLang="en-US"/>
               <a:t>マスタ テキストの書式設定</a:t>
             </a:r>
           </a:p>
           <a:p>
             <a:pPr lvl="1"/>
             <a:r>
-              <a:rPr kumimoji="1" lang="ja-JP" altLang="en-US" smtClean="0"/>
+              <a:rPr kumimoji="1" lang="ja-JP" altLang="en-US"/>
               <a:t>第 </a:t>
             </a:r>
             <a:r>
-              <a:rPr kumimoji="1" lang="en-US" altLang="ja-JP" smtClean="0"/>
+              <a:rPr kumimoji="1" lang="en-US" altLang="ja-JP"/>
               <a:t>2 </a:t>
             </a:r>
             <a:r>
-              <a:rPr kumimoji="1" lang="ja-JP" altLang="en-US" smtClean="0"/>
+              <a:rPr kumimoji="1" lang="ja-JP" altLang="en-US"/>
               <a:t>レベル</a:t>
             </a:r>
           </a:p>
           <a:p>
             <a:pPr lvl="2"/>
             <a:r>
-              <a:rPr kumimoji="1" lang="ja-JP" altLang="en-US" smtClean="0"/>
+              <a:rPr kumimoji="1" lang="ja-JP" altLang="en-US"/>
               <a:t>第 </a:t>
             </a:r>
             <a:r>
-              <a:rPr kumimoji="1" lang="en-US" altLang="ja-JP" smtClean="0"/>
+              <a:rPr kumimoji="1" lang="en-US" altLang="ja-JP"/>
               <a:t>3 </a:t>
             </a:r>
             <a:r>
-              <a:rPr kumimoji="1" lang="ja-JP" altLang="en-US" smtClean="0"/>
+              <a:rPr kumimoji="1" lang="ja-JP" altLang="en-US"/>
               <a:t>レベル</a:t>
             </a:r>
           </a:p>
           <a:p>
             <a:pPr lvl="3"/>
             <a:r>
-              <a:rPr kumimoji="1" lang="ja-JP" altLang="en-US" smtClean="0"/>
+              <a:rPr kumimoji="1" lang="ja-JP" altLang="en-US"/>
               <a:t>第 </a:t>
             </a:r>
             <a:r>
-              <a:rPr kumimoji="1" lang="en-US" altLang="ja-JP" smtClean="0"/>
+              <a:rPr kumimoji="1" lang="en-US" altLang="ja-JP"/>
               <a:t>4 </a:t>
             </a:r>
             <a:r>
-              <a:rPr kumimoji="1" lang="ja-JP" altLang="en-US" smtClean="0"/>
+              <a:rPr kumimoji="1" lang="ja-JP" altLang="en-US"/>
               <a:t>レベル</a:t>
             </a:r>
           </a:p>
           <a:p>
             <a:pPr lvl="4"/>
             <a:r>
-              <a:rPr kumimoji="1" lang="ja-JP" altLang="en-US" smtClean="0"/>
+              <a:rPr kumimoji="1" lang="ja-JP" altLang="en-US"/>
               <a:t>第 </a:t>
             </a:r>
             <a:r>
-              <a:rPr kumimoji="1" lang="en-US" altLang="ja-JP" smtClean="0"/>
+              <a:rPr kumimoji="1" lang="en-US" altLang="ja-JP"/>
               <a:t>5 </a:t>
             </a:r>
             <a:r>
-              <a:rPr kumimoji="1" lang="ja-JP" altLang="en-US" smtClean="0"/>
+              <a:rPr kumimoji="1" lang="ja-JP" altLang="en-US"/>
               <a:t>レベル</a:t>
             </a:r>
-            <a:endParaRPr kumimoji="1" lang="ja-JP" altLang="en-US"/>
           </a:p>
         </p:txBody>
       </p:sp>
@@ -787,10 +797,9 @@
           <a:lstStyle/>
           <a:p>
             <a:r>
-              <a:rPr kumimoji="1" lang="ja-JP" altLang="en-US" smtClean="0"/>
+              <a:rPr kumimoji="1" lang="ja-JP" altLang="en-US"/>
               <a:t>マスタ タイトルの書式設定</a:t>
             </a:r>
-            <a:endParaRPr kumimoji="1" lang="ja-JP" altLang="en-US"/>
           </a:p>
         </p:txBody>
       </p:sp>
@@ -811,70 +820,69 @@
           <a:p>
             <a:pPr lvl="0"/>
             <a:r>
-              <a:rPr kumimoji="1" lang="ja-JP" altLang="en-US" smtClean="0"/>
+              <a:rPr kumimoji="1" lang="ja-JP" altLang="en-US"/>
               <a:t>マスタ テキストの書式設定</a:t>
             </a:r>
           </a:p>
           <a:p>
             <a:pPr lvl="1"/>
             <a:r>
-              <a:rPr kumimoji="1" lang="ja-JP" altLang="en-US" smtClean="0"/>
+              <a:rPr kumimoji="1" lang="ja-JP" altLang="en-US"/>
               <a:t>第 </a:t>
             </a:r>
             <a:r>
-              <a:rPr kumimoji="1" lang="en-US" altLang="ja-JP" smtClean="0"/>
+              <a:rPr kumimoji="1" lang="en-US" altLang="ja-JP"/>
               <a:t>2 </a:t>
             </a:r>
             <a:r>
-              <a:rPr kumimoji="1" lang="ja-JP" altLang="en-US" smtClean="0"/>
+              <a:rPr kumimoji="1" lang="ja-JP" altLang="en-US"/>
               <a:t>レベル</a:t>
             </a:r>
           </a:p>
           <a:p>
             <a:pPr lvl="2"/>
             <a:r>
-              <a:rPr kumimoji="1" lang="ja-JP" altLang="en-US" smtClean="0"/>
+              <a:rPr kumimoji="1" lang="ja-JP" altLang="en-US"/>
               <a:t>第 </a:t>
             </a:r>
             <a:r>
-              <a:rPr kumimoji="1" lang="en-US" altLang="ja-JP" smtClean="0"/>
+              <a:rPr kumimoji="1" lang="en-US" altLang="ja-JP"/>
               <a:t>3 </a:t>
             </a:r>
             <a:r>
-              <a:rPr kumimoji="1" lang="ja-JP" altLang="en-US" smtClean="0"/>
+              <a:rPr kumimoji="1" lang="ja-JP" altLang="en-US"/>
               <a:t>レベル</a:t>
             </a:r>
           </a:p>
           <a:p>
             <a:pPr lvl="3"/>
             <a:r>
-              <a:rPr kumimoji="1" lang="ja-JP" altLang="en-US" smtClean="0"/>
+              <a:rPr kumimoji="1" lang="ja-JP" altLang="en-US"/>
               <a:t>第 </a:t>
             </a:r>
             <a:r>
-              <a:rPr kumimoji="1" lang="en-US" altLang="ja-JP" smtClean="0"/>
+              <a:rPr kumimoji="1" lang="en-US" altLang="ja-JP"/>
               <a:t>4 </a:t>
             </a:r>
             <a:r>
-              <a:rPr kumimoji="1" lang="ja-JP" altLang="en-US" smtClean="0"/>
+              <a:rPr kumimoji="1" lang="ja-JP" altLang="en-US"/>
               <a:t>レベル</a:t>
             </a:r>
           </a:p>
           <a:p>
             <a:pPr lvl="4"/>
             <a:r>
-              <a:rPr kumimoji="1" lang="ja-JP" altLang="en-US" smtClean="0"/>
+              <a:rPr kumimoji="1" lang="ja-JP" altLang="en-US"/>
               <a:t>第 </a:t>
             </a:r>
             <a:r>
-              <a:rPr kumimoji="1" lang="en-US" altLang="ja-JP" smtClean="0"/>
+              <a:rPr kumimoji="1" lang="en-US" altLang="ja-JP"/>
               <a:t>5 </a:t>
             </a:r>
             <a:r>
-              <a:rPr kumimoji="1" lang="ja-JP" altLang="en-US" smtClean="0"/>
+              <a:rPr kumimoji="1" lang="ja-JP" altLang="en-US"/>
               <a:t>レベル</a:t>
             </a:r>
-            <a:endParaRPr kumimoji="1" lang="ja-JP" altLang="en-US"/>
           </a:p>
         </p:txBody>
       </p:sp>
@@ -993,10 +1001,9 @@
           </a:lstStyle>
           <a:p>
             <a:r>
-              <a:rPr kumimoji="1" lang="ja-JP" altLang="en-US" smtClean="0"/>
+              <a:rPr kumimoji="1" lang="ja-JP" altLang="en-US"/>
               <a:t>マスタ タイトルの書式設定</a:t>
             </a:r>
-            <a:endParaRPr kumimoji="1" lang="ja-JP" altLang="en-US"/>
           </a:p>
         </p:txBody>
       </p:sp>
@@ -1113,7 +1120,7 @@
           <a:p>
             <a:pPr lvl="0"/>
             <a:r>
-              <a:rPr kumimoji="1" lang="ja-JP" altLang="en-US" smtClean="0"/>
+              <a:rPr kumimoji="1" lang="ja-JP" altLang="en-US"/>
               <a:t>マスタ テキストの書式設定</a:t>
             </a:r>
           </a:p>
@@ -1225,10 +1232,9 @@
           <a:lstStyle/>
           <a:p>
             <a:r>
-              <a:rPr kumimoji="1" lang="ja-JP" altLang="en-US" smtClean="0"/>
+              <a:rPr kumimoji="1" lang="ja-JP" altLang="en-US"/>
               <a:t>マスタ タイトルの書式設定</a:t>
             </a:r>
-            <a:endParaRPr kumimoji="1" lang="ja-JP" altLang="en-US"/>
           </a:p>
         </p:txBody>
       </p:sp>
@@ -1282,70 +1288,69 @@
           <a:p>
             <a:pPr lvl="0"/>
             <a:r>
-              <a:rPr kumimoji="1" lang="ja-JP" altLang="en-US" smtClean="0"/>
+              <a:rPr kumimoji="1" lang="ja-JP" altLang="en-US"/>
               <a:t>マスタ テキストの書式設定</a:t>
             </a:r>
           </a:p>
           <a:p>
             <a:pPr lvl="1"/>
             <a:r>
-              <a:rPr kumimoji="1" lang="ja-JP" altLang="en-US" smtClean="0"/>
+              <a:rPr kumimoji="1" lang="ja-JP" altLang="en-US"/>
               <a:t>第 </a:t>
             </a:r>
             <a:r>
-              <a:rPr kumimoji="1" lang="en-US" altLang="ja-JP" smtClean="0"/>
+              <a:rPr kumimoji="1" lang="en-US" altLang="ja-JP"/>
               <a:t>2 </a:t>
             </a:r>
             <a:r>
-              <a:rPr kumimoji="1" lang="ja-JP" altLang="en-US" smtClean="0"/>
+              <a:rPr kumimoji="1" lang="ja-JP" altLang="en-US"/>
               <a:t>レベル</a:t>
             </a:r>
           </a:p>
           <a:p>
             <a:pPr lvl="2"/>
             <a:r>
-              <a:rPr kumimoji="1" lang="ja-JP" altLang="en-US" smtClean="0"/>
+              <a:rPr kumimoji="1" lang="ja-JP" altLang="en-US"/>
               <a:t>第 </a:t>
             </a:r>
             <a:r>
-              <a:rPr kumimoji="1" lang="en-US" altLang="ja-JP" smtClean="0"/>
+              <a:rPr kumimoji="1" lang="en-US" altLang="ja-JP"/>
               <a:t>3 </a:t>
             </a:r>
             <a:r>
-              <a:rPr kumimoji="1" lang="ja-JP" altLang="en-US" smtClean="0"/>
+              <a:rPr kumimoji="1" lang="ja-JP" altLang="en-US"/>
               <a:t>レベル</a:t>
             </a:r>
           </a:p>
           <a:p>
             <a:pPr lvl="3"/>
             <a:r>
-              <a:rPr kumimoji="1" lang="ja-JP" altLang="en-US" smtClean="0"/>
+              <a:rPr kumimoji="1" lang="ja-JP" altLang="en-US"/>
               <a:t>第 </a:t>
             </a:r>
             <a:r>
-              <a:rPr kumimoji="1" lang="en-US" altLang="ja-JP" smtClean="0"/>
+              <a:rPr kumimoji="1" lang="en-US" altLang="ja-JP"/>
               <a:t>4 </a:t>
             </a:r>
             <a:r>
-              <a:rPr kumimoji="1" lang="ja-JP" altLang="en-US" smtClean="0"/>
+              <a:rPr kumimoji="1" lang="ja-JP" altLang="en-US"/>
               <a:t>レベル</a:t>
             </a:r>
           </a:p>
           <a:p>
             <a:pPr lvl="4"/>
             <a:r>
-              <a:rPr kumimoji="1" lang="ja-JP" altLang="en-US" smtClean="0"/>
+              <a:rPr kumimoji="1" lang="ja-JP" altLang="en-US"/>
               <a:t>第 </a:t>
             </a:r>
             <a:r>
-              <a:rPr kumimoji="1" lang="en-US" altLang="ja-JP" smtClean="0"/>
+              <a:rPr kumimoji="1" lang="en-US" altLang="ja-JP"/>
               <a:t>5 </a:t>
             </a:r>
             <a:r>
-              <a:rPr kumimoji="1" lang="ja-JP" altLang="en-US" smtClean="0"/>
+              <a:rPr kumimoji="1" lang="ja-JP" altLang="en-US"/>
               <a:t>レベル</a:t>
             </a:r>
-            <a:endParaRPr kumimoji="1" lang="ja-JP" altLang="en-US"/>
           </a:p>
         </p:txBody>
       </p:sp>
@@ -1399,70 +1404,69 @@
           <a:p>
             <a:pPr lvl="0"/>
             <a:r>
-              <a:rPr kumimoji="1" lang="ja-JP" altLang="en-US" smtClean="0"/>
+              <a:rPr kumimoji="1" lang="ja-JP" altLang="en-US"/>
               <a:t>マスタ テキストの書式設定</a:t>
             </a:r>
           </a:p>
           <a:p>
             <a:pPr lvl="1"/>
             <a:r>
-              <a:rPr kumimoji="1" lang="ja-JP" altLang="en-US" smtClean="0"/>
+              <a:rPr kumimoji="1" lang="ja-JP" altLang="en-US"/>
               <a:t>第 </a:t>
             </a:r>
             <a:r>
-              <a:rPr kumimoji="1" lang="en-US" altLang="ja-JP" smtClean="0"/>
+              <a:rPr kumimoji="1" lang="en-US" altLang="ja-JP"/>
               <a:t>2 </a:t>
             </a:r>
             <a:r>
-              <a:rPr kumimoji="1" lang="ja-JP" altLang="en-US" smtClean="0"/>
+              <a:rPr kumimoji="1" lang="ja-JP" altLang="en-US"/>
               <a:t>レベル</a:t>
             </a:r>
           </a:p>
           <a:p>
             <a:pPr lvl="2"/>
             <a:r>
-              <a:rPr kumimoji="1" lang="ja-JP" altLang="en-US" smtClean="0"/>
+              <a:rPr kumimoji="1" lang="ja-JP" altLang="en-US"/>
               <a:t>第 </a:t>
             </a:r>
             <a:r>
-              <a:rPr kumimoji="1" lang="en-US" altLang="ja-JP" smtClean="0"/>
+              <a:rPr kumimoji="1" lang="en-US" altLang="ja-JP"/>
               <a:t>3 </a:t>
             </a:r>
             <a:r>
-              <a:rPr kumimoji="1" lang="ja-JP" altLang="en-US" smtClean="0"/>
+              <a:rPr kumimoji="1" lang="ja-JP" altLang="en-US"/>
               <a:t>レベル</a:t>
             </a:r>
           </a:p>
           <a:p>
             <a:pPr lvl="3"/>
             <a:r>
-              <a:rPr kumimoji="1" lang="ja-JP" altLang="en-US" smtClean="0"/>
+              <a:rPr kumimoji="1" lang="ja-JP" altLang="en-US"/>
               <a:t>第 </a:t>
             </a:r>
             <a:r>
-              <a:rPr kumimoji="1" lang="en-US" altLang="ja-JP" smtClean="0"/>
+              <a:rPr kumimoji="1" lang="en-US" altLang="ja-JP"/>
               <a:t>4 </a:t>
             </a:r>
             <a:r>
-              <a:rPr kumimoji="1" lang="ja-JP" altLang="en-US" smtClean="0"/>
+              <a:rPr kumimoji="1" lang="ja-JP" altLang="en-US"/>
               <a:t>レベル</a:t>
             </a:r>
           </a:p>
           <a:p>
             <a:pPr lvl="4"/>
             <a:r>
-              <a:rPr kumimoji="1" lang="ja-JP" altLang="en-US" smtClean="0"/>
+              <a:rPr kumimoji="1" lang="ja-JP" altLang="en-US"/>
               <a:t>第 </a:t>
             </a:r>
             <a:r>
-              <a:rPr kumimoji="1" lang="en-US" altLang="ja-JP" smtClean="0"/>
+              <a:rPr kumimoji="1" lang="en-US" altLang="ja-JP"/>
               <a:t>5 </a:t>
             </a:r>
             <a:r>
-              <a:rPr kumimoji="1" lang="ja-JP" altLang="en-US" smtClean="0"/>
+              <a:rPr kumimoji="1" lang="ja-JP" altLang="en-US"/>
               <a:t>レベル</a:t>
             </a:r>
-            <a:endParaRPr kumimoji="1" lang="ja-JP" altLang="en-US"/>
           </a:p>
         </p:txBody>
       </p:sp>
@@ -1576,10 +1580,9 @@
           </a:lstStyle>
           <a:p>
             <a:r>
-              <a:rPr kumimoji="1" lang="ja-JP" altLang="en-US" smtClean="0"/>
+              <a:rPr kumimoji="1" lang="ja-JP" altLang="en-US"/>
               <a:t>マスタ タイトルの書式設定</a:t>
             </a:r>
-            <a:endParaRPr kumimoji="1" lang="ja-JP" altLang="en-US"/>
           </a:p>
         </p:txBody>
       </p:sp>
@@ -1642,7 +1645,7 @@
           <a:p>
             <a:pPr lvl="0"/>
             <a:r>
-              <a:rPr kumimoji="1" lang="ja-JP" altLang="en-US" smtClean="0"/>
+              <a:rPr kumimoji="1" lang="ja-JP" altLang="en-US"/>
               <a:t>マスタ テキストの書式設定</a:t>
             </a:r>
           </a:p>
@@ -1698,70 +1701,69 @@
           <a:p>
             <a:pPr lvl="0"/>
             <a:r>
-              <a:rPr kumimoji="1" lang="ja-JP" altLang="en-US" smtClean="0"/>
+              <a:rPr kumimoji="1" lang="ja-JP" altLang="en-US"/>
               <a:t>マスタ テキストの書式設定</a:t>
             </a:r>
           </a:p>
           <a:p>
             <a:pPr lvl="1"/>
             <a:r>
-              <a:rPr kumimoji="1" lang="ja-JP" altLang="en-US" smtClean="0"/>
+              <a:rPr kumimoji="1" lang="ja-JP" altLang="en-US"/>
               <a:t>第 </a:t>
             </a:r>
             <a:r>
-              <a:rPr kumimoji="1" lang="en-US" altLang="ja-JP" smtClean="0"/>
+              <a:rPr kumimoji="1" lang="en-US" altLang="ja-JP"/>
               <a:t>2 </a:t>
             </a:r>
             <a:r>
-              <a:rPr kumimoji="1" lang="ja-JP" altLang="en-US" smtClean="0"/>
+              <a:rPr kumimoji="1" lang="ja-JP" altLang="en-US"/>
               <a:t>レベル</a:t>
             </a:r>
           </a:p>
           <a:p>
             <a:pPr lvl="2"/>
             <a:r>
-              <a:rPr kumimoji="1" lang="ja-JP" altLang="en-US" smtClean="0"/>
+              <a:rPr kumimoji="1" lang="ja-JP" altLang="en-US"/>
               <a:t>第 </a:t>
             </a:r>
             <a:r>
-              <a:rPr kumimoji="1" lang="en-US" altLang="ja-JP" smtClean="0"/>
+              <a:rPr kumimoji="1" lang="en-US" altLang="ja-JP"/>
               <a:t>3 </a:t>
             </a:r>
             <a:r>
-              <a:rPr kumimoji="1" lang="ja-JP" altLang="en-US" smtClean="0"/>
+              <a:rPr kumimoji="1" lang="ja-JP" altLang="en-US"/>
               <a:t>レベル</a:t>
             </a:r>
           </a:p>
           <a:p>
             <a:pPr lvl="3"/>
             <a:r>
-              <a:rPr kumimoji="1" lang="ja-JP" altLang="en-US" smtClean="0"/>
+              <a:rPr kumimoji="1" lang="ja-JP" altLang="en-US"/>
               <a:t>第 </a:t>
             </a:r>
             <a:r>
-              <a:rPr kumimoji="1" lang="en-US" altLang="ja-JP" smtClean="0"/>
+              <a:rPr kumimoji="1" lang="en-US" altLang="ja-JP"/>
               <a:t>4 </a:t>
             </a:r>
             <a:r>
-              <a:rPr kumimoji="1" lang="ja-JP" altLang="en-US" smtClean="0"/>
+              <a:rPr kumimoji="1" lang="ja-JP" altLang="en-US"/>
               <a:t>レベル</a:t>
             </a:r>
           </a:p>
           <a:p>
             <a:pPr lvl="4"/>
             <a:r>
-              <a:rPr kumimoji="1" lang="ja-JP" altLang="en-US" smtClean="0"/>
+              <a:rPr kumimoji="1" lang="ja-JP" altLang="en-US"/>
               <a:t>第 </a:t>
             </a:r>
             <a:r>
-              <a:rPr kumimoji="1" lang="en-US" altLang="ja-JP" smtClean="0"/>
+              <a:rPr kumimoji="1" lang="en-US" altLang="ja-JP"/>
               <a:t>5 </a:t>
             </a:r>
             <a:r>
-              <a:rPr kumimoji="1" lang="ja-JP" altLang="en-US" smtClean="0"/>
+              <a:rPr kumimoji="1" lang="ja-JP" altLang="en-US"/>
               <a:t>レベル</a:t>
             </a:r>
-            <a:endParaRPr kumimoji="1" lang="ja-JP" altLang="en-US"/>
           </a:p>
         </p:txBody>
       </p:sp>
@@ -1824,7 +1826,7 @@
           <a:p>
             <a:pPr lvl="0"/>
             <a:r>
-              <a:rPr kumimoji="1" lang="ja-JP" altLang="en-US" smtClean="0"/>
+              <a:rPr kumimoji="1" lang="ja-JP" altLang="en-US"/>
               <a:t>マスタ テキストの書式設定</a:t>
             </a:r>
           </a:p>
@@ -1880,70 +1882,69 @@
           <a:p>
             <a:pPr lvl="0"/>
             <a:r>
-              <a:rPr kumimoji="1" lang="ja-JP" altLang="en-US" smtClean="0"/>
+              <a:rPr kumimoji="1" lang="ja-JP" altLang="en-US"/>
               <a:t>マスタ テキストの書式設定</a:t>
             </a:r>
           </a:p>
           <a:p>
             <a:pPr lvl="1"/>
             <a:r>
-              <a:rPr kumimoji="1" lang="ja-JP" altLang="en-US" smtClean="0"/>
+              <a:rPr kumimoji="1" lang="ja-JP" altLang="en-US"/>
               <a:t>第 </a:t>
             </a:r>
             <a:r>
-              <a:rPr kumimoji="1" lang="en-US" altLang="ja-JP" smtClean="0"/>
+              <a:rPr kumimoji="1" lang="en-US" altLang="ja-JP"/>
               <a:t>2 </a:t>
             </a:r>
             <a:r>
-              <a:rPr kumimoji="1" lang="ja-JP" altLang="en-US" smtClean="0"/>
+              <a:rPr kumimoji="1" lang="ja-JP" altLang="en-US"/>
               <a:t>レベル</a:t>
             </a:r>
           </a:p>
           <a:p>
             <a:pPr lvl="2"/>
             <a:r>
-              <a:rPr kumimoji="1" lang="ja-JP" altLang="en-US" smtClean="0"/>
+              <a:rPr kumimoji="1" lang="ja-JP" altLang="en-US"/>
               <a:t>第 </a:t>
             </a:r>
             <a:r>
-              <a:rPr kumimoji="1" lang="en-US" altLang="ja-JP" smtClean="0"/>
+              <a:rPr kumimoji="1" lang="en-US" altLang="ja-JP"/>
               <a:t>3 </a:t>
             </a:r>
             <a:r>
-              <a:rPr kumimoji="1" lang="ja-JP" altLang="en-US" smtClean="0"/>
+              <a:rPr kumimoji="1" lang="ja-JP" altLang="en-US"/>
               <a:t>レベル</a:t>
             </a:r>
           </a:p>
           <a:p>
             <a:pPr lvl="3"/>
             <a:r>
-              <a:rPr kumimoji="1" lang="ja-JP" altLang="en-US" smtClean="0"/>
+              <a:rPr kumimoji="1" lang="ja-JP" altLang="en-US"/>
               <a:t>第 </a:t>
             </a:r>
             <a:r>
-              <a:rPr kumimoji="1" lang="en-US" altLang="ja-JP" smtClean="0"/>
+              <a:rPr kumimoji="1" lang="en-US" altLang="ja-JP"/>
               <a:t>4 </a:t>
             </a:r>
             <a:r>
-              <a:rPr kumimoji="1" lang="ja-JP" altLang="en-US" smtClean="0"/>
+              <a:rPr kumimoji="1" lang="ja-JP" altLang="en-US"/>
               <a:t>レベル</a:t>
             </a:r>
           </a:p>
           <a:p>
             <a:pPr lvl="4"/>
             <a:r>
-              <a:rPr kumimoji="1" lang="ja-JP" altLang="en-US" smtClean="0"/>
+              <a:rPr kumimoji="1" lang="ja-JP" altLang="en-US"/>
               <a:t>第 </a:t>
             </a:r>
             <a:r>
-              <a:rPr kumimoji="1" lang="en-US" altLang="ja-JP" smtClean="0"/>
+              <a:rPr kumimoji="1" lang="en-US" altLang="ja-JP"/>
               <a:t>5 </a:t>
             </a:r>
             <a:r>
-              <a:rPr kumimoji="1" lang="ja-JP" altLang="en-US" smtClean="0"/>
+              <a:rPr kumimoji="1" lang="ja-JP" altLang="en-US"/>
               <a:t>レベル</a:t>
             </a:r>
-            <a:endParaRPr kumimoji="1" lang="ja-JP" altLang="en-US"/>
           </a:p>
         </p:txBody>
       </p:sp>
@@ -2053,10 +2054,9 @@
           <a:lstStyle/>
           <a:p>
             <a:r>
-              <a:rPr kumimoji="1" lang="ja-JP" altLang="en-US" smtClean="0"/>
+              <a:rPr kumimoji="1" lang="ja-JP" altLang="en-US"/>
               <a:t>マスタ タイトルの書式設定</a:t>
             </a:r>
-            <a:endParaRPr kumimoji="1" lang="ja-JP" altLang="en-US"/>
           </a:p>
         </p:txBody>
       </p:sp>
@@ -2265,10 +2265,9 @@
           </a:lstStyle>
           <a:p>
             <a:r>
-              <a:rPr kumimoji="1" lang="ja-JP" altLang="en-US" smtClean="0"/>
+              <a:rPr kumimoji="1" lang="ja-JP" altLang="en-US"/>
               <a:t>マスタ タイトルの書式設定</a:t>
             </a:r>
-            <a:endParaRPr kumimoji="1" lang="ja-JP" altLang="en-US"/>
           </a:p>
         </p:txBody>
       </p:sp>
@@ -2322,70 +2321,69 @@
           <a:p>
             <a:pPr lvl="0"/>
             <a:r>
-              <a:rPr kumimoji="1" lang="ja-JP" altLang="en-US" smtClean="0"/>
+              <a:rPr kumimoji="1" lang="ja-JP" altLang="en-US"/>
               <a:t>マスタ テキストの書式設定</a:t>
             </a:r>
           </a:p>
           <a:p>
             <a:pPr lvl="1"/>
             <a:r>
-              <a:rPr kumimoji="1" lang="ja-JP" altLang="en-US" smtClean="0"/>
+              <a:rPr kumimoji="1" lang="ja-JP" altLang="en-US"/>
               <a:t>第 </a:t>
             </a:r>
             <a:r>
-              <a:rPr kumimoji="1" lang="en-US" altLang="ja-JP" smtClean="0"/>
+              <a:rPr kumimoji="1" lang="en-US" altLang="ja-JP"/>
               <a:t>2 </a:t>
             </a:r>
             <a:r>
-              <a:rPr kumimoji="1" lang="ja-JP" altLang="en-US" smtClean="0"/>
+              <a:rPr kumimoji="1" lang="ja-JP" altLang="en-US"/>
               <a:t>レベル</a:t>
             </a:r>
           </a:p>
           <a:p>
             <a:pPr lvl="2"/>
             <a:r>
-              <a:rPr kumimoji="1" lang="ja-JP" altLang="en-US" smtClean="0"/>
+              <a:rPr kumimoji="1" lang="ja-JP" altLang="en-US"/>
               <a:t>第 </a:t>
             </a:r>
             <a:r>
-              <a:rPr kumimoji="1" lang="en-US" altLang="ja-JP" smtClean="0"/>
+              <a:rPr kumimoji="1" lang="en-US" altLang="ja-JP"/>
               <a:t>3 </a:t>
             </a:r>
             <a:r>
-              <a:rPr kumimoji="1" lang="ja-JP" altLang="en-US" smtClean="0"/>
+              <a:rPr kumimoji="1" lang="ja-JP" altLang="en-US"/>
               <a:t>レベル</a:t>
             </a:r>
           </a:p>
           <a:p>
             <a:pPr lvl="3"/>
             <a:r>
-              <a:rPr kumimoji="1" lang="ja-JP" altLang="en-US" smtClean="0"/>
+              <a:rPr kumimoji="1" lang="ja-JP" altLang="en-US"/>
               <a:t>第 </a:t>
             </a:r>
             <a:r>
-              <a:rPr kumimoji="1" lang="en-US" altLang="ja-JP" smtClean="0"/>
+              <a:rPr kumimoji="1" lang="en-US" altLang="ja-JP"/>
               <a:t>4 </a:t>
             </a:r>
             <a:r>
-              <a:rPr kumimoji="1" lang="ja-JP" altLang="en-US" smtClean="0"/>
+              <a:rPr kumimoji="1" lang="ja-JP" altLang="en-US"/>
               <a:t>レベル</a:t>
             </a:r>
           </a:p>
           <a:p>
             <a:pPr lvl="4"/>
             <a:r>
-              <a:rPr kumimoji="1" lang="ja-JP" altLang="en-US" smtClean="0"/>
+              <a:rPr kumimoji="1" lang="ja-JP" altLang="en-US"/>
               <a:t>第 </a:t>
             </a:r>
             <a:r>
-              <a:rPr kumimoji="1" lang="en-US" altLang="ja-JP" smtClean="0"/>
+              <a:rPr kumimoji="1" lang="en-US" altLang="ja-JP"/>
               <a:t>5 </a:t>
             </a:r>
             <a:r>
-              <a:rPr kumimoji="1" lang="ja-JP" altLang="en-US" smtClean="0"/>
+              <a:rPr kumimoji="1" lang="ja-JP" altLang="en-US"/>
               <a:t>レベル</a:t>
             </a:r>
-            <a:endParaRPr kumimoji="1" lang="ja-JP" altLang="en-US"/>
           </a:p>
         </p:txBody>
       </p:sp>
@@ -2448,7 +2446,7 @@
           <a:p>
             <a:pPr lvl="0"/>
             <a:r>
-              <a:rPr kumimoji="1" lang="ja-JP" altLang="en-US" smtClean="0"/>
+              <a:rPr kumimoji="1" lang="ja-JP" altLang="en-US"/>
               <a:t>マスタ テキストの書式設定</a:t>
             </a:r>
           </a:p>
@@ -2569,10 +2567,9 @@
           </a:lstStyle>
           <a:p>
             <a:r>
-              <a:rPr kumimoji="1" lang="ja-JP" altLang="en-US" smtClean="0"/>
+              <a:rPr kumimoji="1" lang="ja-JP" altLang="en-US"/>
               <a:t>マスタ タイトルの書式設定</a:t>
             </a:r>
-            <a:endParaRPr kumimoji="1" lang="ja-JP" altLang="en-US"/>
           </a:p>
         </p:txBody>
       </p:sp>
@@ -2696,7 +2693,7 @@
           <a:p>
             <a:pPr lvl="0"/>
             <a:r>
-              <a:rPr kumimoji="1" lang="ja-JP" altLang="en-US" smtClean="0"/>
+              <a:rPr kumimoji="1" lang="ja-JP" altLang="en-US"/>
               <a:t>マスタ テキストの書式設定</a:t>
             </a:r>
           </a:p>
@@ -2823,10 +2820,9 @@
           <a:lstStyle/>
           <a:p>
             <a:r>
-              <a:rPr kumimoji="1" lang="ja-JP" altLang="en-US" smtClean="0"/>
+              <a:rPr kumimoji="1" lang="ja-JP" altLang="en-US"/>
               <a:t>マスタ タイトルの書式設定</a:t>
             </a:r>
-            <a:endParaRPr kumimoji="1" lang="ja-JP" altLang="en-US"/>
           </a:p>
         </p:txBody>
       </p:sp>
@@ -2857,70 +2853,69 @@
           <a:p>
             <a:pPr lvl="0"/>
             <a:r>
-              <a:rPr kumimoji="1" lang="ja-JP" altLang="en-US" smtClean="0"/>
+              <a:rPr kumimoji="1" lang="ja-JP" altLang="en-US"/>
               <a:t>マスタ テキストの書式設定</a:t>
             </a:r>
           </a:p>
           <a:p>
             <a:pPr lvl="1"/>
             <a:r>
-              <a:rPr kumimoji="1" lang="ja-JP" altLang="en-US" smtClean="0"/>
+              <a:rPr kumimoji="1" lang="ja-JP" altLang="en-US"/>
               <a:t>第 </a:t>
             </a:r>
             <a:r>
-              <a:rPr kumimoji="1" lang="en-US" altLang="ja-JP" smtClean="0"/>
+              <a:rPr kumimoji="1" lang="en-US" altLang="ja-JP"/>
               <a:t>2 </a:t>
             </a:r>
             <a:r>
-              <a:rPr kumimoji="1" lang="ja-JP" altLang="en-US" smtClean="0"/>
+              <a:rPr kumimoji="1" lang="ja-JP" altLang="en-US"/>
               <a:t>レベル</a:t>
             </a:r>
           </a:p>
           <a:p>
             <a:pPr lvl="2"/>
             <a:r>
-              <a:rPr kumimoji="1" lang="ja-JP" altLang="en-US" smtClean="0"/>
+              <a:rPr kumimoji="1" lang="ja-JP" altLang="en-US"/>
               <a:t>第 </a:t>
             </a:r>
             <a:r>
-              <a:rPr kumimoji="1" lang="en-US" altLang="ja-JP" smtClean="0"/>
+              <a:rPr kumimoji="1" lang="en-US" altLang="ja-JP"/>
               <a:t>3 </a:t>
             </a:r>
             <a:r>
-              <a:rPr kumimoji="1" lang="ja-JP" altLang="en-US" smtClean="0"/>
+              <a:rPr kumimoji="1" lang="ja-JP" altLang="en-US"/>
               <a:t>レベル</a:t>
             </a:r>
           </a:p>
           <a:p>
             <a:pPr lvl="3"/>
             <a:r>
-              <a:rPr kumimoji="1" lang="ja-JP" altLang="en-US" smtClean="0"/>
+              <a:rPr kumimoji="1" lang="ja-JP" altLang="en-US"/>
               <a:t>第 </a:t>
             </a:r>
             <a:r>
-              <a:rPr kumimoji="1" lang="en-US" altLang="ja-JP" smtClean="0"/>
+              <a:rPr kumimoji="1" lang="en-US" altLang="ja-JP"/>
               <a:t>4 </a:t>
             </a:r>
             <a:r>
-              <a:rPr kumimoji="1" lang="ja-JP" altLang="en-US" smtClean="0"/>
+              <a:rPr kumimoji="1" lang="ja-JP" altLang="en-US"/>
               <a:t>レベル</a:t>
             </a:r>
           </a:p>
           <a:p>
             <a:pPr lvl="4"/>
             <a:r>
-              <a:rPr kumimoji="1" lang="ja-JP" altLang="en-US" smtClean="0"/>
+              <a:rPr kumimoji="1" lang="ja-JP" altLang="en-US"/>
               <a:t>第 </a:t>
             </a:r>
             <a:r>
-              <a:rPr kumimoji="1" lang="en-US" altLang="ja-JP" smtClean="0"/>
+              <a:rPr kumimoji="1" lang="en-US" altLang="ja-JP"/>
               <a:t>5 </a:t>
             </a:r>
             <a:r>
-              <a:rPr kumimoji="1" lang="ja-JP" altLang="en-US" smtClean="0"/>
+              <a:rPr kumimoji="1" lang="ja-JP" altLang="en-US"/>
               <a:t>レベル</a:t>
             </a:r>
-            <a:endParaRPr kumimoji="1" lang="ja-JP" altLang="en-US"/>
           </a:p>
         </p:txBody>
       </p:sp>
@@ -3337,7 +3332,7 @@
         </p:nvSpPr>
         <p:spPr>
           <a:xfrm>
-            <a:off x="741" y="97160"/>
+            <a:off x="0" y="0"/>
             <a:ext cx="1008167" cy="720000"/>
           </a:xfrm>
           <a:prstGeom prst="rect">
@@ -3377,7 +3372,7 @@
         </p:nvSpPr>
         <p:spPr>
           <a:xfrm>
-            <a:off x="-72033" y="195590"/>
+            <a:off x="-72033" y="97160"/>
             <a:ext cx="1152127" cy="523220"/>
           </a:xfrm>
           <a:prstGeom prst="rect">
@@ -3393,13 +3388,13 @@
           <a:p>
             <a:pPr algn="dist"/>
             <a:r>
-              <a:rPr kumimoji="1" lang="ja-JP" altLang="en-US" sz="1400" b="1" dirty="0" smtClean="0">
+              <a:rPr kumimoji="1" lang="ja-JP" altLang="en-US" sz="1400" b="1" dirty="0">
                 <a:latin typeface="メイリオ" panose="020B0604030504040204" pitchFamily="50" charset="-128"/>
                 <a:ea typeface="メイリオ" panose="020B0604030504040204" pitchFamily="50" charset="-128"/>
               </a:rPr>
               <a:t>職業訓練</a:t>
             </a:r>
-            <a:endParaRPr kumimoji="1" lang="en-US" altLang="ja-JP" sz="1400" b="1" dirty="0" smtClean="0">
+            <a:endParaRPr kumimoji="1" lang="en-US" altLang="ja-JP" sz="1400" b="1" dirty="0">
               <a:latin typeface="メイリオ" panose="020B0604030504040204" pitchFamily="50" charset="-128"/>
               <a:ea typeface="メイリオ" panose="020B0604030504040204" pitchFamily="50" charset="-128"/>
             </a:endParaRPr>
@@ -3407,14 +3402,14 @@
           <a:p>
             <a:pPr algn="dist"/>
             <a:r>
-              <a:rPr lang="en-US" altLang="ja-JP" sz="1400" b="1" dirty="0" smtClean="0">
+              <a:rPr lang="en-US" altLang="ja-JP" sz="1400" b="1" dirty="0">
                 <a:latin typeface="メイリオ" panose="020B0604030504040204" pitchFamily="50" charset="-128"/>
                 <a:ea typeface="メイリオ" panose="020B0604030504040204" pitchFamily="50" charset="-128"/>
               </a:rPr>
               <a:t>CS</a:t>
             </a:r>
             <a:r>
-              <a:rPr lang="ja-JP" altLang="en-US" sz="1400" b="1" dirty="0" smtClean="0">
+              <a:rPr lang="ja-JP" altLang="en-US" sz="1400" b="1" dirty="0">
                 <a:latin typeface="メイリオ" panose="020B0604030504040204" pitchFamily="50" charset="-128"/>
                 <a:ea typeface="メイリオ" panose="020B0604030504040204" pitchFamily="50" charset="-128"/>
               </a:rPr>
@@ -3437,13 +3432,6 @@
   <p:clrMapOvr>
     <a:masterClrMapping/>
   </p:clrMapOvr>
-  <p:timing>
-    <p:tnLst>
-      <p:par>
-        <p:cTn id="1" dur="indefinite" restart="never" nodeType="tmRoot"/>
-      </p:par>
-    </p:tnLst>
-  </p:timing>
 </p:sld>
 </file>
 
@@ -3472,7 +3460,7 @@
         </p:nvSpPr>
         <p:spPr>
           <a:xfrm>
-            <a:off x="741" y="97199"/>
+            <a:off x="-104" y="6672"/>
             <a:ext cx="1008167" cy="720000"/>
           </a:xfrm>
           <a:prstGeom prst="rect">
@@ -3512,7 +3500,7 @@
         </p:nvSpPr>
         <p:spPr>
           <a:xfrm>
-            <a:off x="-71239" y="226367"/>
+            <a:off x="-72085" y="187728"/>
             <a:ext cx="1152128" cy="461665"/>
           </a:xfrm>
           <a:prstGeom prst="rect">
@@ -3528,13 +3516,13 @@
           <a:p>
             <a:pPr algn="dist"/>
             <a:r>
-              <a:rPr kumimoji="1" lang="ja-JP" altLang="en-US" sz="1200" b="1" dirty="0" smtClean="0">
+              <a:rPr kumimoji="1" lang="ja-JP" altLang="en-US" sz="1200" b="1" dirty="0">
                 <a:latin typeface="メイリオ" panose="020B0604030504040204" pitchFamily="50" charset="-128"/>
                 <a:ea typeface="メイリオ" panose="020B0604030504040204" pitchFamily="50" charset="-128"/>
               </a:rPr>
               <a:t>パソコンなら</a:t>
             </a:r>
-            <a:endParaRPr kumimoji="1" lang="en-US" altLang="ja-JP" sz="1200" b="1" dirty="0" smtClean="0">
+            <a:endParaRPr kumimoji="1" lang="en-US" altLang="ja-JP" sz="1200" b="1" dirty="0">
               <a:latin typeface="メイリオ" panose="020B0604030504040204" pitchFamily="50" charset="-128"/>
               <a:ea typeface="メイリオ" panose="020B0604030504040204" pitchFamily="50" charset="-128"/>
             </a:endParaRPr>
@@ -3542,16 +3530,12 @@
           <a:p>
             <a:pPr algn="dist"/>
             <a:r>
-              <a:rPr kumimoji="1" lang="ja-JP" altLang="en-US" sz="1200" b="1" dirty="0" smtClean="0">
+              <a:rPr kumimoji="1" lang="ja-JP" altLang="en-US" sz="1200" b="1" dirty="0">
                 <a:latin typeface="メイリオ" panose="020B0604030504040204" pitchFamily="50" charset="-128"/>
                 <a:ea typeface="メイリオ" panose="020B0604030504040204" pitchFamily="50" charset="-128"/>
               </a:rPr>
               <a:t>青年お助け隊</a:t>
             </a:r>
-            <a:endParaRPr kumimoji="1" lang="ja-JP" altLang="en-US" sz="1200" b="1" dirty="0">
-              <a:latin typeface="メイリオ" panose="020B0604030504040204" pitchFamily="50" charset="-128"/>
-              <a:ea typeface="メイリオ" panose="020B0604030504040204" pitchFamily="50" charset="-128"/>
-            </a:endParaRPr>
           </a:p>
         </p:txBody>
       </p:sp>
@@ -3565,13 +3549,6 @@
   <p:clrMapOvr>
     <a:masterClrMapping/>
   </p:clrMapOvr>
-  <p:timing>
-    <p:tnLst>
-      <p:par>
-        <p:cTn id="1" dur="indefinite" restart="never" nodeType="tmRoot"/>
-      </p:par>
-    </p:tnLst>
-  </p:timing>
 </p:sld>
 </file>
 
@@ -3600,7 +3577,7 @@
         </p:nvSpPr>
         <p:spPr>
           <a:xfrm>
-            <a:off x="-208" y="73578"/>
+            <a:off x="0" y="9284"/>
             <a:ext cx="1008167" cy="720000"/>
           </a:xfrm>
           <a:prstGeom prst="rect">
@@ -3640,7 +3617,7 @@
         </p:nvSpPr>
         <p:spPr>
           <a:xfrm>
-            <a:off x="-208" y="87868"/>
+            <a:off x="0" y="41480"/>
             <a:ext cx="1008271" cy="738664"/>
           </a:xfrm>
           <a:prstGeom prst="rect">
@@ -3656,13 +3633,13 @@
           <a:p>
             <a:pPr algn="dist"/>
             <a:r>
-              <a:rPr kumimoji="1" lang="ja-JP" altLang="en-US" sz="1400" b="1" dirty="0" smtClean="0">
+              <a:rPr kumimoji="1" lang="ja-JP" altLang="en-US" sz="1400" b="1" dirty="0">
                 <a:latin typeface="メイリオ" panose="020B0604030504040204" pitchFamily="50" charset="-128"/>
                 <a:ea typeface="メイリオ" panose="020B0604030504040204" pitchFamily="50" charset="-128"/>
               </a:rPr>
               <a:t>相談</a:t>
             </a:r>
-            <a:endParaRPr kumimoji="1" lang="en-US" altLang="ja-JP" sz="1400" b="1" dirty="0" smtClean="0">
+            <a:endParaRPr kumimoji="1" lang="en-US" altLang="ja-JP" sz="1400" b="1" dirty="0">
               <a:latin typeface="メイリオ" panose="020B0604030504040204" pitchFamily="50" charset="-128"/>
               <a:ea typeface="メイリオ" panose="020B0604030504040204" pitchFamily="50" charset="-128"/>
             </a:endParaRPr>
@@ -3670,16 +3647,12 @@
           <a:p>
             <a:pPr algn="dist"/>
             <a:r>
-              <a:rPr kumimoji="1" lang="ja-JP" altLang="en-US" sz="1400" b="1" dirty="0" smtClean="0">
+              <a:rPr kumimoji="1" lang="ja-JP" altLang="en-US" sz="1400" b="1" dirty="0">
                 <a:latin typeface="メイリオ" panose="020B0604030504040204" pitchFamily="50" charset="-128"/>
                 <a:ea typeface="メイリオ" panose="020B0604030504040204" pitchFamily="50" charset="-128"/>
               </a:rPr>
               <a:t>カウンセリング</a:t>
             </a:r>
-            <a:endParaRPr kumimoji="1" lang="ja-JP" altLang="en-US" sz="1400" b="1" dirty="0">
-              <a:latin typeface="メイリオ" panose="020B0604030504040204" pitchFamily="50" charset="-128"/>
-              <a:ea typeface="メイリオ" panose="020B0604030504040204" pitchFamily="50" charset="-128"/>
-            </a:endParaRPr>
           </a:p>
         </p:txBody>
       </p:sp>
@@ -3693,13 +3666,6 @@
   <p:clrMapOvr>
     <a:masterClrMapping/>
   </p:clrMapOvr>
-  <p:timing>
-    <p:tnLst>
-      <p:par>
-        <p:cTn id="1" dur="indefinite" restart="never" nodeType="tmRoot"/>
-      </p:par>
-    </p:tnLst>
-  </p:timing>
 </p:sld>
 </file>
 
@@ -3728,7 +3694,7 @@
         </p:nvSpPr>
         <p:spPr>
           <a:xfrm>
-            <a:off x="-104" y="97200"/>
+            <a:off x="0" y="0"/>
             <a:ext cx="1008167" cy="720000"/>
           </a:xfrm>
           <a:prstGeom prst="rect">
@@ -3768,7 +3734,7 @@
         </p:nvSpPr>
         <p:spPr>
           <a:xfrm>
-            <a:off x="-104" y="195590"/>
+            <a:off x="0" y="169168"/>
             <a:ext cx="1008271" cy="523220"/>
           </a:xfrm>
           <a:prstGeom prst="rect">
@@ -3784,13 +3750,13 @@
           <a:p>
             <a:pPr algn="dist"/>
             <a:r>
-              <a:rPr lang="ja-JP" altLang="en-US" sz="1400" b="1" dirty="0" smtClean="0">
+              <a:rPr lang="ja-JP" altLang="en-US" sz="1400" b="1" dirty="0">
                 <a:latin typeface="メイリオ" panose="020B0604030504040204" pitchFamily="50" charset="-128"/>
                 <a:ea typeface="メイリオ" panose="020B0604030504040204" pitchFamily="50" charset="-128"/>
               </a:rPr>
               <a:t>自立支援</a:t>
             </a:r>
-            <a:endParaRPr lang="en-US" altLang="ja-JP" sz="1400" b="1" dirty="0" smtClean="0">
+            <a:endParaRPr lang="en-US" altLang="ja-JP" sz="1400" b="1" dirty="0">
               <a:latin typeface="メイリオ" panose="020B0604030504040204" pitchFamily="50" charset="-128"/>
               <a:ea typeface="メイリオ" panose="020B0604030504040204" pitchFamily="50" charset="-128"/>
             </a:endParaRPr>
@@ -3817,13 +3783,6 @@
   <p:clrMapOvr>
     <a:masterClrMapping/>
   </p:clrMapOvr>
-  <p:timing>
-    <p:tnLst>
-      <p:par>
-        <p:cTn id="1" dur="indefinite" restart="never" nodeType="tmRoot"/>
-      </p:par>
-    </p:tnLst>
-  </p:timing>
 </p:sld>
 </file>
 
@@ -3852,7 +3811,7 @@
         </p:nvSpPr>
         <p:spPr>
           <a:xfrm>
-            <a:off x="-105" y="97160"/>
+            <a:off x="4068" y="0"/>
             <a:ext cx="1008167" cy="720000"/>
           </a:xfrm>
           <a:prstGeom prst="rect">
@@ -3892,7 +3851,7 @@
         </p:nvSpPr>
         <p:spPr>
           <a:xfrm>
-            <a:off x="452" y="303312"/>
+            <a:off x="3964" y="241176"/>
             <a:ext cx="1008271" cy="307777"/>
           </a:xfrm>
           <a:prstGeom prst="rect">
@@ -3908,16 +3867,12 @@
           <a:p>
             <a:pPr algn="dist"/>
             <a:r>
-              <a:rPr kumimoji="1" lang="ja-JP" altLang="en-US" sz="1400" b="1" dirty="0" smtClean="0">
+              <a:rPr kumimoji="1" lang="ja-JP" altLang="en-US" sz="1400" b="1" dirty="0">
                 <a:latin typeface="メイリオ" panose="020B0604030504040204" pitchFamily="50" charset="-128"/>
                 <a:ea typeface="メイリオ" panose="020B0604030504040204" pitchFamily="50" charset="-128"/>
               </a:rPr>
               <a:t>団体概要</a:t>
             </a:r>
-            <a:endParaRPr kumimoji="1" lang="ja-JP" altLang="en-US" sz="1400" b="1" dirty="0">
-              <a:latin typeface="メイリオ" panose="020B0604030504040204" pitchFamily="50" charset="-128"/>
-              <a:ea typeface="メイリオ" panose="020B0604030504040204" pitchFamily="50" charset="-128"/>
-            </a:endParaRPr>
           </a:p>
         </p:txBody>
       </p:sp>
@@ -3931,13 +3886,6 @@
   <p:clrMapOvr>
     <a:masterClrMapping/>
   </p:clrMapOvr>
-  <p:timing>
-    <p:tnLst>
-      <p:par>
-        <p:cTn id="1" dur="indefinite" restart="never" nodeType="tmRoot"/>
-      </p:par>
-    </p:tnLst>
-  </p:timing>
 </p:sld>
 </file>
 
@@ -3966,7 +3914,7 @@
         </p:nvSpPr>
         <p:spPr>
           <a:xfrm>
-            <a:off x="-104" y="87868"/>
+            <a:off x="-25" y="0"/>
             <a:ext cx="1008167" cy="720000"/>
           </a:xfrm>
           <a:prstGeom prst="rect">
@@ -4006,7 +3954,7 @@
         </p:nvSpPr>
         <p:spPr>
           <a:xfrm>
-            <a:off x="12824" y="87868"/>
+            <a:off x="-208" y="25152"/>
             <a:ext cx="1008271" cy="738664"/>
           </a:xfrm>
           <a:prstGeom prst="rect">
@@ -4022,13 +3970,13 @@
           <a:p>
             <a:pPr algn="dist"/>
             <a:r>
-              <a:rPr kumimoji="1" lang="ja-JP" altLang="en-US" sz="1400" b="1" dirty="0" smtClean="0">
+              <a:rPr kumimoji="1" lang="ja-JP" altLang="en-US" sz="1400" b="1" dirty="0">
                 <a:latin typeface="メイリオ" panose="020B0604030504040204" pitchFamily="50" charset="-128"/>
                 <a:ea typeface="メイリオ" panose="020B0604030504040204" pitchFamily="50" charset="-128"/>
               </a:rPr>
               <a:t>ご支援</a:t>
             </a:r>
-            <a:endParaRPr kumimoji="1" lang="en-US" altLang="ja-JP" sz="1400" b="1" dirty="0" smtClean="0">
+            <a:endParaRPr kumimoji="1" lang="en-US" altLang="ja-JP" sz="1400" b="1" dirty="0">
               <a:latin typeface="メイリオ" panose="020B0604030504040204" pitchFamily="50" charset="-128"/>
               <a:ea typeface="メイリオ" panose="020B0604030504040204" pitchFamily="50" charset="-128"/>
             </a:endParaRPr>
@@ -4036,13 +3984,13 @@
           <a:p>
             <a:pPr algn="dist"/>
             <a:r>
-              <a:rPr kumimoji="1" lang="ja-JP" altLang="en-US" sz="1400" b="1" dirty="0" smtClean="0">
+              <a:rPr kumimoji="1" lang="ja-JP" altLang="en-US" sz="1400" b="1" dirty="0">
                 <a:latin typeface="メイリオ" panose="020B0604030504040204" pitchFamily="50" charset="-128"/>
                 <a:ea typeface="メイリオ" panose="020B0604030504040204" pitchFamily="50" charset="-128"/>
               </a:rPr>
               <a:t>入会の</a:t>
             </a:r>
-            <a:endParaRPr kumimoji="1" lang="en-US" altLang="ja-JP" sz="1400" b="1" dirty="0" smtClean="0">
+            <a:endParaRPr kumimoji="1" lang="en-US" altLang="ja-JP" sz="1400" b="1" dirty="0">
               <a:latin typeface="メイリオ" panose="020B0604030504040204" pitchFamily="50" charset="-128"/>
               <a:ea typeface="メイリオ" panose="020B0604030504040204" pitchFamily="50" charset="-128"/>
             </a:endParaRPr>
@@ -4050,16 +3998,12 @@
           <a:p>
             <a:pPr algn="dist"/>
             <a:r>
-              <a:rPr kumimoji="1" lang="ja-JP" altLang="en-US" sz="1400" b="1" dirty="0" smtClean="0">
+              <a:rPr kumimoji="1" lang="ja-JP" altLang="en-US" sz="1400" b="1" dirty="0">
                 <a:latin typeface="メイリオ" panose="020B0604030504040204" pitchFamily="50" charset="-128"/>
                 <a:ea typeface="メイリオ" panose="020B0604030504040204" pitchFamily="50" charset="-128"/>
               </a:rPr>
               <a:t>ご案内</a:t>
             </a:r>
-            <a:endParaRPr kumimoji="1" lang="ja-JP" altLang="en-US" sz="1400" b="1" dirty="0">
-              <a:latin typeface="メイリオ" panose="020B0604030504040204" pitchFamily="50" charset="-128"/>
-              <a:ea typeface="メイリオ" panose="020B0604030504040204" pitchFamily="50" charset="-128"/>
-            </a:endParaRPr>
           </a:p>
         </p:txBody>
       </p:sp>
@@ -4073,13 +4017,6 @@
   <p:clrMapOvr>
     <a:masterClrMapping/>
   </p:clrMapOvr>
-  <p:timing>
-    <p:tnLst>
-      <p:par>
-        <p:cTn id="1" dur="indefinite" restart="never" nodeType="tmRoot"/>
-      </p:par>
-    </p:tnLst>
-  </p:timing>
 </p:sld>
 </file>
 
@@ -4108,7 +4045,7 @@
         </p:nvSpPr>
         <p:spPr>
           <a:xfrm>
-            <a:off x="741" y="97160"/>
+            <a:off x="0" y="0"/>
             <a:ext cx="1008167" cy="720000"/>
           </a:xfrm>
           <a:prstGeom prst="rect">
@@ -4148,7 +4085,7 @@
         </p:nvSpPr>
         <p:spPr>
           <a:xfrm>
-            <a:off x="-104" y="303312"/>
+            <a:off x="6449" y="212210"/>
             <a:ext cx="1008271" cy="307777"/>
           </a:xfrm>
           <a:prstGeom prst="rect">
@@ -4164,16 +4101,12 @@
           <a:p>
             <a:pPr algn="dist"/>
             <a:r>
-              <a:rPr kumimoji="1" lang="ja-JP" altLang="en-US" sz="1400" b="1" dirty="0" smtClean="0">
+              <a:rPr kumimoji="1" lang="ja-JP" altLang="en-US" sz="1400" b="1" dirty="0">
                 <a:latin typeface="メイリオ" panose="020B0604030504040204" pitchFamily="50" charset="-128"/>
                 <a:ea typeface="メイリオ" panose="020B0604030504040204" pitchFamily="50" charset="-128"/>
               </a:rPr>
               <a:t>リンク集</a:t>
             </a:r>
-            <a:endParaRPr kumimoji="1" lang="ja-JP" altLang="en-US" sz="1400" b="1" dirty="0">
-              <a:latin typeface="メイリオ" panose="020B0604030504040204" pitchFamily="50" charset="-128"/>
-              <a:ea typeface="メイリオ" panose="020B0604030504040204" pitchFamily="50" charset="-128"/>
-            </a:endParaRPr>
           </a:p>
         </p:txBody>
       </p:sp>
@@ -4187,13 +4120,6 @@
   <p:clrMapOvr>
     <a:masterClrMapping/>
   </p:clrMapOvr>
-  <p:timing>
-    <p:tnLst>
-      <p:par>
-        <p:cTn id="1" dur="indefinite" restart="never" nodeType="tmRoot"/>
-      </p:par>
-    </p:tnLst>
-  </p:timing>
 </p:sld>
 </file>
 
